--- a/03_Asymetries/results/01_Asymmetries.pptx
+++ b/03_Asymetries/results/01_Asymmetries.pptx
@@ -3719,7 +3719,7 @@
           <p:spPr>
             <a:xfrm>
               <a:off x="3967317" y="1773800"/>
-              <a:ext cx="1260844" cy="189505"/>
+              <a:ext cx="1257609" cy="189505"/>
             </a:xfrm>
             <a:prstGeom prst="rect">
               <a:avLst/>
@@ -3745,7 +3745,7 @@
           <p:spPr>
             <a:xfrm>
               <a:off x="3967317" y="1984362"/>
-              <a:ext cx="671659" cy="189505"/>
+              <a:ext cx="665190" cy="189505"/>
             </a:xfrm>
             <a:prstGeom prst="rect">
               <a:avLst/>
@@ -5297,7 +5297,7 @@
           <p:spPr>
             <a:xfrm>
               <a:off x="3967317" y="7448075"/>
-              <a:ext cx="1498566" cy="189505"/>
+              <a:ext cx="1485629" cy="189505"/>
             </a:xfrm>
             <a:prstGeom prst="rect">
               <a:avLst/>
@@ -5323,7 +5323,7 @@
           <p:spPr>
             <a:xfrm>
               <a:off x="3967317" y="7658637"/>
-              <a:ext cx="672737" cy="189505"/>
+              <a:ext cx="646863" cy="189505"/>
             </a:xfrm>
             <a:prstGeom prst="rect">
               <a:avLst/>
